--- a/doc/users_guide/figures_portrait.pptx
+++ b/doc/users_guide/figures_portrait.pptx
@@ -2922,7 +2922,7 @@
         </p:nvGrpSpPr>
         <p:grpSpPr>
           <a:xfrm>
-            <a:off x="171010" y="1406771"/>
+            <a:off x="153426" y="1441941"/>
             <a:ext cx="6378627" cy="9302260"/>
             <a:chOff x="171010" y="1406771"/>
             <a:chExt cx="6378627" cy="9302260"/>
@@ -3490,8 +3490,8 @@
           </p:nvSpPr>
           <p:spPr>
             <a:xfrm>
-              <a:off x="3898337" y="1681742"/>
-              <a:ext cx="2224756" cy="639534"/>
+              <a:off x="3929717" y="1681742"/>
+              <a:ext cx="2193375" cy="639534"/>
             </a:xfrm>
             <a:prstGeom prst="rect">
               <a:avLst/>
@@ -3518,10 +3518,10 @@
               </a:r>
               <a:r>
                 <a:rPr lang="en-US" sz="3556" dirty="0" smtClean="0"/>
-                <a:t>    </a:t>
-              </a:r>
-              <a:r>
-                <a:rPr lang="en-US" sz="3556" dirty="0" err="1"/>
+                <a:t> </a:t>
+              </a:r>
+              <a:r>
+                <a:rPr lang="en-US" sz="3556" dirty="0" err="1" smtClean="0"/>
                 <a:t>val</a:t>
               </a:r>
               <a:endParaRPr lang="en-US" sz="3556" dirty="0"/>
@@ -4147,8 +4147,8 @@
           </p:nvSpPr>
           <p:spPr>
             <a:xfrm>
-              <a:off x="3898337" y="1681742"/>
-              <a:ext cx="2224756" cy="639534"/>
+              <a:off x="3692769" y="1681742"/>
+              <a:ext cx="2430324" cy="639534"/>
             </a:xfrm>
             <a:prstGeom prst="rect">
               <a:avLst/>
@@ -4178,7 +4178,7 @@
                 <a:t>    </a:t>
               </a:r>
               <a:r>
-                <a:rPr lang="en-US" sz="3556" dirty="0" err="1"/>
+                <a:rPr lang="en-US" sz="3556" dirty="0" err="1" smtClean="0"/>
                 <a:t>val</a:t>
               </a:r>
               <a:endParaRPr lang="en-US" sz="3556" dirty="0"/>
@@ -4768,8 +4768,8 @@
           </p:nvSpPr>
           <p:spPr>
             <a:xfrm>
-              <a:off x="3898337" y="1681742"/>
-              <a:ext cx="2224756" cy="639534"/>
+              <a:off x="3745523" y="1681742"/>
+              <a:ext cx="2377570" cy="639534"/>
             </a:xfrm>
             <a:prstGeom prst="rect">
               <a:avLst/>
@@ -4796,10 +4796,10 @@
               </a:r>
               <a:r>
                 <a:rPr lang="en-US" sz="3556" dirty="0" smtClean="0"/>
-                <a:t>    </a:t>
-              </a:r>
-              <a:r>
-                <a:rPr lang="en-US" sz="3556" dirty="0" err="1"/>
+                <a:t>   </a:t>
+              </a:r>
+              <a:r>
+                <a:rPr lang="en-US" sz="3556" dirty="0" err="1" smtClean="0"/>
                 <a:t>val</a:t>
               </a:r>
               <a:endParaRPr lang="en-US" sz="3556" dirty="0"/>
@@ -5425,8 +5425,8 @@
           </p:nvSpPr>
           <p:spPr>
             <a:xfrm>
-              <a:off x="3898337" y="1681742"/>
-              <a:ext cx="2224756" cy="639534"/>
+              <a:off x="3710354" y="1681742"/>
+              <a:ext cx="2412739" cy="639534"/>
             </a:xfrm>
             <a:prstGeom prst="rect">
               <a:avLst/>
